--- a/src/lr4/РИЗ-130916у Савельев В.Н. Отчет о выполнении ЛР4.pptx
+++ b/src/lr4/РИЗ-130916у Савельев В.Н. Отчет о выполнении ЛР4.pptx
@@ -16,8 +16,7 @@
     <p:sldId id="312" r:id="rId10"/>
     <p:sldId id="313" r:id="rId11"/>
     <p:sldId id="314" r:id="rId12"/>
-    <p:sldId id="315" r:id="rId13"/>
-    <p:sldId id="306" r:id="rId14"/>
+    <p:sldId id="306" r:id="rId13"/>
   </p:sldIdLst>
   <p:sldSz cx="12192000" cy="6858000"/>
   <p:notesSz cx="6858000" cy="9144000"/>
@@ -132,7 +131,6 @@
             <p14:sldId id="312"/>
             <p14:sldId id="313"/>
             <p14:sldId id="314"/>
-            <p14:sldId id="315"/>
             <p14:sldId id="306"/>
           </p14:sldIdLst>
         </p14:section>
@@ -292,7 +290,7 @@
           <a:p>
             <a:fld id="{870F65BB-7DDC-4717-AF77-59A3293404C9}" type="datetimeFigureOut">
               <a:rPr lang="ru-RU" smtClean="0"/>
-              <a:t>05.12.2023</a:t>
+              <a:t>08.12.2023</a:t>
             </a:fld>
             <a:endParaRPr lang="ru-RU"/>
           </a:p>
@@ -490,7 +488,7 @@
           <a:p>
             <a:fld id="{870F65BB-7DDC-4717-AF77-59A3293404C9}" type="datetimeFigureOut">
               <a:rPr lang="ru-RU" smtClean="0"/>
-              <a:t>05.12.2023</a:t>
+              <a:t>08.12.2023</a:t>
             </a:fld>
             <a:endParaRPr lang="ru-RU"/>
           </a:p>
@@ -698,7 +696,7 @@
           <a:p>
             <a:fld id="{870F65BB-7DDC-4717-AF77-59A3293404C9}" type="datetimeFigureOut">
               <a:rPr lang="ru-RU" smtClean="0"/>
-              <a:t>05.12.2023</a:t>
+              <a:t>08.12.2023</a:t>
             </a:fld>
             <a:endParaRPr lang="ru-RU"/>
           </a:p>
@@ -896,7 +894,7 @@
           <a:p>
             <a:fld id="{870F65BB-7DDC-4717-AF77-59A3293404C9}" type="datetimeFigureOut">
               <a:rPr lang="ru-RU" smtClean="0"/>
-              <a:t>05.12.2023</a:t>
+              <a:t>08.12.2023</a:t>
             </a:fld>
             <a:endParaRPr lang="ru-RU"/>
           </a:p>
@@ -1171,7 +1169,7 @@
           <a:p>
             <a:fld id="{870F65BB-7DDC-4717-AF77-59A3293404C9}" type="datetimeFigureOut">
               <a:rPr lang="ru-RU" smtClean="0"/>
-              <a:t>05.12.2023</a:t>
+              <a:t>08.12.2023</a:t>
             </a:fld>
             <a:endParaRPr lang="ru-RU"/>
           </a:p>
@@ -1436,7 +1434,7 @@
           <a:p>
             <a:fld id="{870F65BB-7DDC-4717-AF77-59A3293404C9}" type="datetimeFigureOut">
               <a:rPr lang="ru-RU" smtClean="0"/>
-              <a:t>05.12.2023</a:t>
+              <a:t>08.12.2023</a:t>
             </a:fld>
             <a:endParaRPr lang="ru-RU"/>
           </a:p>
@@ -1848,7 +1846,7 @@
           <a:p>
             <a:fld id="{870F65BB-7DDC-4717-AF77-59A3293404C9}" type="datetimeFigureOut">
               <a:rPr lang="ru-RU" smtClean="0"/>
-              <a:t>05.12.2023</a:t>
+              <a:t>08.12.2023</a:t>
             </a:fld>
             <a:endParaRPr lang="ru-RU"/>
           </a:p>
@@ -1989,7 +1987,7 @@
           <a:p>
             <a:fld id="{870F65BB-7DDC-4717-AF77-59A3293404C9}" type="datetimeFigureOut">
               <a:rPr lang="ru-RU" smtClean="0"/>
-              <a:t>05.12.2023</a:t>
+              <a:t>08.12.2023</a:t>
             </a:fld>
             <a:endParaRPr lang="ru-RU"/>
           </a:p>
@@ -2102,7 +2100,7 @@
           <a:p>
             <a:fld id="{870F65BB-7DDC-4717-AF77-59A3293404C9}" type="datetimeFigureOut">
               <a:rPr lang="ru-RU" smtClean="0"/>
-              <a:t>05.12.2023</a:t>
+              <a:t>08.12.2023</a:t>
             </a:fld>
             <a:endParaRPr lang="ru-RU"/>
           </a:p>
@@ -2413,7 +2411,7 @@
           <a:p>
             <a:fld id="{870F65BB-7DDC-4717-AF77-59A3293404C9}" type="datetimeFigureOut">
               <a:rPr lang="ru-RU" smtClean="0"/>
-              <a:t>05.12.2023</a:t>
+              <a:t>08.12.2023</a:t>
             </a:fld>
             <a:endParaRPr lang="ru-RU"/>
           </a:p>
@@ -2701,7 +2699,7 @@
           <a:p>
             <a:fld id="{870F65BB-7DDC-4717-AF77-59A3293404C9}" type="datetimeFigureOut">
               <a:rPr lang="ru-RU" smtClean="0"/>
-              <a:t>05.12.2023</a:t>
+              <a:t>08.12.2023</a:t>
             </a:fld>
             <a:endParaRPr lang="ru-RU"/>
           </a:p>
@@ -2942,7 +2940,7 @@
           <a:p>
             <a:fld id="{870F65BB-7DDC-4717-AF77-59A3293404C9}" type="datetimeFigureOut">
               <a:rPr lang="ru-RU" smtClean="0"/>
-              <a:t>05.12.2023</a:t>
+              <a:t>08.12.2023</a:t>
             </a:fld>
             <a:endParaRPr lang="ru-RU"/>
           </a:p>
@@ -3412,7 +3410,7 @@
                 <a:latin typeface="Times New Roman" panose="02020603050405020304" pitchFamily="18" charset="0"/>
                 <a:cs typeface="Times New Roman" panose="02020603050405020304" pitchFamily="18" charset="0"/>
               </a:rPr>
-              <a:t>3</a:t>
+              <a:t>4</a:t>
             </a:r>
             <a:br>
               <a:rPr lang="en-US" sz="1400" dirty="0">
@@ -3660,7 +3658,7 @@
                 <a:latin typeface="Times New Roman" panose="02020603050405020304" pitchFamily="18" charset="0"/>
                 <a:cs typeface="Times New Roman" panose="02020603050405020304" pitchFamily="18" charset="0"/>
               </a:rPr>
-              <a:t>Напишите программу, в которой создается символьный массив из 10 элементов. Массив заполнить большими (прописными) буквами английского алфавита. Буквы берутся подряд, но только согласные (то есть гласные буквы ’ А',1Е' и ' I' при присваивании значений элементам массива нужно пропустить). Отобразите содержимое созданного массива в консольном окне.</a:t>
+              <a:t>Напишите программу «Шифр Цезаря», которая зашифровывает введенный текст. Используете кодовую таблицу символов. При запуске программы в консоль необходимо вывести сообщение: «Введите текст для шифрования», после ввода текста, появляется сообщение: «Введите ключ». После того как введены все данные, необходимо вывести преобразованную строку с сообщением «Текст после преобразования : ». Далее необходимо задать вопрос пользователю: «Выполнить обратное преобразование? (y/n)», если пользователь вводит «y», тогда выполнить обратное преобразование. Если пользователь вводит «n», того программа выводит сообщение «До свидания!». Если пользователь вводит что-то другое, отличное от «y» или «n», то программа ему выводит сообщение: «Введите корректный ответ».</a:t>
             </a:r>
           </a:p>
           <a:p>
@@ -3682,7 +3680,7 @@
                 <a:latin typeface="Times New Roman" panose="02020603050405020304" pitchFamily="18" charset="0"/>
                 <a:cs typeface="Times New Roman" panose="02020603050405020304" pitchFamily="18" charset="0"/>
               </a:rPr>
-              <a:t>https://github.com/Vladnwx/Learn2023-2024/blob/master/src/lr3/Example</a:t>
+              <a:t>https://github.com/Vladnwx/Learn2023-2024/blob/master/src/lr4/Example</a:t>
             </a:r>
             <a:r>
               <a:rPr lang="ru-RU" sz="1400" dirty="0">
@@ -3819,7 +3817,7 @@
                 <a:latin typeface="Times New Roman" panose="02020603050405020304" pitchFamily="18" charset="0"/>
                 <a:cs typeface="Times New Roman" panose="02020603050405020304" pitchFamily="18" charset="0"/>
               </a:rPr>
-              <a:t>Напишите программу, в которой создается массив и заполняется случайными числами. Массив отображается в консольном окне. В этом массиве необходимо определить элемент с минимальным значением. В частности, программа должна вывести значение элемента с минимальным значением и индекс этого элемента. Если элементов с минимальным значением несколько, должны быть выведены индексы всех этих элементов.</a:t>
+              <a:t>Напишите программу «Шифр Цезаря», в которой необходимо реализовать собственный алфавит, остальные условия идентичны задаче 8.</a:t>
             </a:r>
           </a:p>
           <a:p>
@@ -3841,7 +3839,7 @@
                 <a:latin typeface="Times New Roman" panose="02020603050405020304" pitchFamily="18" charset="0"/>
                 <a:cs typeface="Times New Roman" panose="02020603050405020304" pitchFamily="18" charset="0"/>
               </a:rPr>
-              <a:t>https://github.com/Vladnwx/Learn2023-2024/blob/master/src/lr3/Example</a:t>
+              <a:t>https://github.com/Vladnwx/Learn2023-2024/blob/master/src/lr4/Example</a:t>
             </a:r>
             <a:r>
               <a:rPr lang="ru-RU" sz="1400" dirty="0">
@@ -3937,175 +3935,6 @@
                 <a:latin typeface="Times New Roman" panose="02020603050405020304" pitchFamily="18" charset="0"/>
                 <a:cs typeface="Times New Roman" panose="02020603050405020304" pitchFamily="18" charset="0"/>
               </a:rPr>
-              <a:t>Задача №10</a:t>
-            </a:r>
-          </a:p>
-        </p:txBody>
-      </p:sp>
-      <p:sp>
-        <p:nvSpPr>
-          <p:cNvPr id="3" name="Текст 2">
-            <a:extLst>
-              <a:ext uri="{FF2B5EF4-FFF2-40B4-BE49-F238E27FC236}">
-                <a16:creationId xmlns:a16="http://schemas.microsoft.com/office/drawing/2014/main" id="{7A2822FC-0537-44BF-973E-18E9089D51A2}"/>
-              </a:ext>
-            </a:extLst>
-          </p:cNvPr>
-          <p:cNvSpPr>
-            <a:spLocks noGrp="1"/>
-          </p:cNvSpPr>
-          <p:nvPr>
-            <p:ph type="body" idx="1"/>
-          </p:nvPr>
-        </p:nvSpPr>
-        <p:spPr>
-          <a:xfrm>
-            <a:off x="831850" y="629175"/>
-            <a:ext cx="10515600" cy="3288484"/>
-          </a:xfrm>
-        </p:spPr>
-        <p:txBody>
-          <a:bodyPr>
-            <a:normAutofit/>
-          </a:bodyPr>
-          <a:lstStyle/>
-          <a:p>
-            <a:r>
-              <a:rPr lang="ru-RU" sz="1400" dirty="0">
-                <a:solidFill>
-                  <a:schemeClr val="tx1"/>
-                </a:solidFill>
-                <a:latin typeface="Times New Roman" panose="02020603050405020304" pitchFamily="18" charset="0"/>
-                <a:cs typeface="Times New Roman" panose="02020603050405020304" pitchFamily="18" charset="0"/>
-              </a:rPr>
-              <a:t>Напишите программу, в которой создается целочисленный массив, заполняется случайными числами и после этого значения элементов в массиве сортируются в порядке убывания значений.</a:t>
-            </a:r>
-          </a:p>
-          <a:p>
-            <a:r>
-              <a:rPr lang="ru-RU" sz="1400" dirty="0">
-                <a:solidFill>
-                  <a:schemeClr val="tx1"/>
-                </a:solidFill>
-                <a:latin typeface="Times New Roman" panose="02020603050405020304" pitchFamily="18" charset="0"/>
-                <a:cs typeface="Times New Roman" panose="02020603050405020304" pitchFamily="18" charset="0"/>
-              </a:rPr>
-              <a:t>Исходный код решения : </a:t>
-            </a:r>
-            <a:r>
-              <a:rPr lang="en-US" sz="1400" dirty="0">
-                <a:solidFill>
-                  <a:schemeClr val="tx1"/>
-                </a:solidFill>
-                <a:latin typeface="Times New Roman" panose="02020603050405020304" pitchFamily="18" charset="0"/>
-                <a:cs typeface="Times New Roman" panose="02020603050405020304" pitchFamily="18" charset="0"/>
-              </a:rPr>
-              <a:t>https://github.com/Vladnwx/Learn2023-2024/blob/master/src/lr3/Example</a:t>
-            </a:r>
-            <a:r>
-              <a:rPr lang="ru-RU" sz="1400" dirty="0">
-                <a:solidFill>
-                  <a:schemeClr val="tx1"/>
-                </a:solidFill>
-                <a:latin typeface="Times New Roman" panose="02020603050405020304" pitchFamily="18" charset="0"/>
-                <a:cs typeface="Times New Roman" panose="02020603050405020304" pitchFamily="18" charset="0"/>
-              </a:rPr>
-              <a:t>10</a:t>
-            </a:r>
-            <a:r>
-              <a:rPr lang="en-US" sz="1400">
-                <a:solidFill>
-                  <a:schemeClr val="tx1"/>
-                </a:solidFill>
-                <a:latin typeface="Times New Roman" panose="02020603050405020304" pitchFamily="18" charset="0"/>
-                <a:cs typeface="Times New Roman" panose="02020603050405020304" pitchFamily="18" charset="0"/>
-              </a:rPr>
-              <a:t>.</a:t>
-            </a:r>
-            <a:r>
-              <a:rPr lang="en-US" sz="1400" dirty="0">
-                <a:solidFill>
-                  <a:schemeClr val="tx1"/>
-                </a:solidFill>
-                <a:latin typeface="Times New Roman" panose="02020603050405020304" pitchFamily="18" charset="0"/>
-                <a:cs typeface="Times New Roman" panose="02020603050405020304" pitchFamily="18" charset="0"/>
-              </a:rPr>
-              <a:t>java</a:t>
-            </a:r>
-            <a:endParaRPr lang="ru-RU" sz="1400" dirty="0">
-              <a:solidFill>
-                <a:schemeClr val="tx1"/>
-              </a:solidFill>
-              <a:latin typeface="Times New Roman" panose="02020603050405020304" pitchFamily="18" charset="0"/>
-              <a:cs typeface="Times New Roman" panose="02020603050405020304" pitchFamily="18" charset="0"/>
-            </a:endParaRPr>
-          </a:p>
-        </p:txBody>
-      </p:sp>
-    </p:spTree>
-    <p:extLst>
-      <p:ext uri="{BB962C8B-B14F-4D97-AF65-F5344CB8AC3E}">
-        <p14:creationId xmlns:p14="http://schemas.microsoft.com/office/powerpoint/2010/main" val="565591506"/>
-      </p:ext>
-    </p:extLst>
-  </p:cSld>
-  <p:clrMapOvr>
-    <a:masterClrMapping/>
-  </p:clrMapOvr>
-</p:sld>
-</file>
-
-<file path=ppt/slides/slide13.xml><?xml version="1.0" encoding="utf-8"?>
-<p:sld xmlns:a="http://schemas.openxmlformats.org/drawingml/2006/main" xmlns:r="http://schemas.openxmlformats.org/officeDocument/2006/relationships" xmlns:p="http://schemas.openxmlformats.org/presentationml/2006/main">
-  <p:cSld>
-    <p:spTree>
-      <p:nvGrpSpPr>
-        <p:cNvPr id="1" name=""/>
-        <p:cNvGrpSpPr/>
-        <p:nvPr/>
-      </p:nvGrpSpPr>
-      <p:grpSpPr>
-        <a:xfrm>
-          <a:off x="0" y="0"/>
-          <a:ext cx="0" cy="0"/>
-          <a:chOff x="0" y="0"/>
-          <a:chExt cx="0" cy="0"/>
-        </a:xfrm>
-      </p:grpSpPr>
-      <p:sp>
-        <p:nvSpPr>
-          <p:cNvPr id="2" name="Заголовок 1">
-            <a:extLst>
-              <a:ext uri="{FF2B5EF4-FFF2-40B4-BE49-F238E27FC236}">
-                <a16:creationId xmlns:a16="http://schemas.microsoft.com/office/drawing/2014/main" id="{858A5C1F-E5B2-4EC1-9A3C-AAE441DF4D96}"/>
-              </a:ext>
-            </a:extLst>
-          </p:cNvPr>
-          <p:cNvSpPr>
-            <a:spLocks noGrp="1"/>
-          </p:cNvSpPr>
-          <p:nvPr>
-            <p:ph type="title"/>
-          </p:nvPr>
-        </p:nvSpPr>
-        <p:spPr>
-          <a:xfrm>
-            <a:off x="838200" y="176169"/>
-            <a:ext cx="10515600" cy="334424"/>
-          </a:xfrm>
-        </p:spPr>
-        <p:txBody>
-          <a:bodyPr>
-            <a:normAutofit/>
-          </a:bodyPr>
-          <a:lstStyle/>
-          <a:p>
-            <a:pPr algn="ctr"/>
-            <a:r>
-              <a:rPr lang="ru-RU" sz="1400" dirty="0">
-                <a:latin typeface="Times New Roman" panose="02020603050405020304" pitchFamily="18" charset="0"/>
-                <a:cs typeface="Times New Roman" panose="02020603050405020304" pitchFamily="18" charset="0"/>
-              </a:rPr>
               <a:t>Вывод</a:t>
             </a:r>
           </a:p>
@@ -4350,7 +4179,7 @@
                 <a:latin typeface="Times New Roman" panose="02020603050405020304" pitchFamily="18" charset="0"/>
                 <a:cs typeface="Times New Roman" panose="02020603050405020304" pitchFamily="18" charset="0"/>
               </a:rPr>
-              <a:t>Получить представление о работе с операторами и одномерными массивами в языке программирования Java, а также решение задач на сайте timus.</a:t>
+              <a:t>Укрепить навыки работы с массивами и операторами цикла;</a:t>
             </a:r>
           </a:p>
         </p:txBody>
@@ -4460,49 +4289,29 @@
                 <a:latin typeface="Times New Roman" panose="02020603050405020304" pitchFamily="18" charset="0"/>
                 <a:cs typeface="Times New Roman" panose="02020603050405020304" pitchFamily="18" charset="0"/>
               </a:rPr>
-              <a:t>Напишите программу, в которой пользователь вводит целое число в диапазоне от 1 до 7, а программа определяет по этому числу день недели. Если введенное пользователем число выходит за допустимый диапазон, выводится сообщение о том, что введено некорректное значение. Используйте оператор выбора </a:t>
-            </a:r>
-            <a:r>
-              <a:rPr lang="ru-RU" sz="1400" dirty="0" err="1">
+              <a:t>Напишите программу, которая выводить в консольное окно прямоугольник, размеры сторон которого, ширина: 23 колонки, высота: 11 строк;</a:t>
+            </a:r>
+          </a:p>
+          <a:p>
+            <a:r>
+              <a:rPr lang="ru-RU" sz="1400" dirty="0">
                 <a:solidFill>
                   <a:schemeClr val="tx1"/>
                 </a:solidFill>
                 <a:latin typeface="Times New Roman" panose="02020603050405020304" pitchFamily="18" charset="0"/>
                 <a:cs typeface="Times New Roman" panose="02020603050405020304" pitchFamily="18" charset="0"/>
               </a:rPr>
-              <a:t>switch</a:t>
-            </a:r>
-            <a:r>
-              <a:rPr lang="ru-RU" sz="1400" dirty="0">
+              <a:t>Исходный код решения : </a:t>
+            </a:r>
+            <a:r>
+              <a:rPr lang="en-US" sz="1400" dirty="0">
                 <a:solidFill>
                   <a:schemeClr val="tx1"/>
                 </a:solidFill>
                 <a:latin typeface="Times New Roman" panose="02020603050405020304" pitchFamily="18" charset="0"/>
                 <a:cs typeface="Times New Roman" panose="02020603050405020304" pitchFamily="18" charset="0"/>
               </a:rPr>
-              <a:t>.</a:t>
-            </a:r>
-          </a:p>
-          <a:p>
-            <a:r>
-              <a:rPr lang="ru-RU" sz="1400" dirty="0">
-                <a:solidFill>
-                  <a:schemeClr val="tx1"/>
-                </a:solidFill>
-                <a:latin typeface="Times New Roman" panose="02020603050405020304" pitchFamily="18" charset="0"/>
-                <a:cs typeface="Times New Roman" panose="02020603050405020304" pitchFamily="18" charset="0"/>
-              </a:rPr>
-              <a:t>Исходный код решения : </a:t>
-            </a:r>
-            <a:r>
-              <a:rPr lang="en-US" sz="1400" dirty="0">
-                <a:solidFill>
-                  <a:schemeClr val="tx1"/>
-                </a:solidFill>
-                <a:latin typeface="Times New Roman" panose="02020603050405020304" pitchFamily="18" charset="0"/>
-                <a:cs typeface="Times New Roman" panose="02020603050405020304" pitchFamily="18" charset="0"/>
-              </a:rPr>
-              <a:t>https://github.com/Vladnwx/Learn2023-2024/blob/master/src/lr3/Example1.java</a:t>
+              <a:t>https://github.com/Vladnwx/Learn2023-2024/blob/master/src/lr4/Example1.java</a:t>
             </a:r>
             <a:endParaRPr lang="ru-RU" sz="1400" dirty="0">
               <a:solidFill>
@@ -4619,49 +4428,29 @@
                 <a:latin typeface="Times New Roman" panose="02020603050405020304" pitchFamily="18" charset="0"/>
                 <a:cs typeface="Times New Roman" panose="02020603050405020304" pitchFamily="18" charset="0"/>
               </a:rPr>
-              <a:t>Напишите программу, в которой пользователю предлагается ввести название дня недели. По введенному названию программа определяет порядковый номер дня в неделе. Если пользователь вводит неправильное название дня, программа выводит сообщение о том, что такого дня нет. Предложите версию программы на основе вложенных условных операторов и на основе оператора выбора </a:t>
-            </a:r>
-            <a:r>
-              <a:rPr lang="ru-RU" sz="1400" dirty="0" err="1">
+              <a:t>Напишите программу, которая выводит в консольное окно прямоугольный треугольник;</a:t>
+            </a:r>
+          </a:p>
+          <a:p>
+            <a:r>
+              <a:rPr lang="ru-RU" sz="1400" dirty="0">
                 <a:solidFill>
                   <a:schemeClr val="tx1"/>
                 </a:solidFill>
                 <a:latin typeface="Times New Roman" panose="02020603050405020304" pitchFamily="18" charset="0"/>
                 <a:cs typeface="Times New Roman" panose="02020603050405020304" pitchFamily="18" charset="0"/>
               </a:rPr>
-              <a:t>switch</a:t>
-            </a:r>
-            <a:r>
-              <a:rPr lang="ru-RU" sz="1400" dirty="0">
+              <a:t>Исходный код решения : </a:t>
+            </a:r>
+            <a:r>
+              <a:rPr lang="en-US" sz="1400" dirty="0">
                 <a:solidFill>
                   <a:schemeClr val="tx1"/>
                 </a:solidFill>
                 <a:latin typeface="Times New Roman" panose="02020603050405020304" pitchFamily="18" charset="0"/>
                 <a:cs typeface="Times New Roman" panose="02020603050405020304" pitchFamily="18" charset="0"/>
               </a:rPr>
-              <a:t>.</a:t>
-            </a:r>
-          </a:p>
-          <a:p>
-            <a:r>
-              <a:rPr lang="ru-RU" sz="1400" dirty="0">
-                <a:solidFill>
-                  <a:schemeClr val="tx1"/>
-                </a:solidFill>
-                <a:latin typeface="Times New Roman" panose="02020603050405020304" pitchFamily="18" charset="0"/>
-                <a:cs typeface="Times New Roman" panose="02020603050405020304" pitchFamily="18" charset="0"/>
-              </a:rPr>
-              <a:t>Исходный код решения : </a:t>
-            </a:r>
-            <a:r>
-              <a:rPr lang="en-US" sz="1400" dirty="0">
-                <a:solidFill>
-                  <a:schemeClr val="tx1"/>
-                </a:solidFill>
-                <a:latin typeface="Times New Roman" panose="02020603050405020304" pitchFamily="18" charset="0"/>
-                <a:cs typeface="Times New Roman" panose="02020603050405020304" pitchFamily="18" charset="0"/>
-              </a:rPr>
-              <a:t>https://github.com/Vladnwx/Learn2023-2024/blob/master/src/lr3/Example</a:t>
+              <a:t>https://github.com/Vladnwx/Learn2023-2024/blob/master/src/lr4/Example</a:t>
             </a:r>
             <a:r>
               <a:rPr lang="ru-RU" sz="1400" dirty="0">
@@ -4798,7 +4587,7 @@
                 <a:latin typeface="Times New Roman" panose="02020603050405020304" pitchFamily="18" charset="0"/>
                 <a:cs typeface="Times New Roman" panose="02020603050405020304" pitchFamily="18" charset="0"/>
               </a:rPr>
-              <a:t>Напишите программу, которая выводит последовательность чисел Фибоначчи. Первые два числа в этой последовательности равны 1, а каждое следующее число равно сумме двух предыдущих (получается последовательность 1, 1, 2, 3, 5, 8, 13, 21, 34, 55, 89 и так далее). Количество чисел в последовательности вводится пользователем. Предложите версии программы, использующие разные операторы цикла.</a:t>
+              <a:t>Напишите программу, в которой создается двумерный массив, который выводи прямоугольник из цифр 2;</a:t>
             </a:r>
           </a:p>
           <a:p>
@@ -4820,7 +4609,7 @@
                 <a:latin typeface="Times New Roman" panose="02020603050405020304" pitchFamily="18" charset="0"/>
                 <a:cs typeface="Times New Roman" panose="02020603050405020304" pitchFamily="18" charset="0"/>
               </a:rPr>
-              <a:t>https://github.com/Vladnwx/Learn2023-2024/blob/master/src/lr3/Example</a:t>
+              <a:t>https://github.com/Vladnwx/Learn2023-2024/blob/master/src/lr4/Example</a:t>
             </a:r>
             <a:r>
               <a:rPr lang="ru-RU" sz="1400" dirty="0">
@@ -4957,7 +4746,7 @@
                 <a:latin typeface="Times New Roman" panose="02020603050405020304" pitchFamily="18" charset="0"/>
                 <a:cs typeface="Times New Roman" panose="02020603050405020304" pitchFamily="18" charset="0"/>
               </a:rPr>
-              <a:t>Напишите программу, в которой пользователем вводится два целых числа. Программа выводит все целые числа — начиная с наименьшего (из двух введенных чисел) и заканчивая наибольшим (из двух введенных чисел). Предложите разные версии программы (с использованием разных операторов цикла).</a:t>
+              <a:t>Напишите программу, в которой создается двумерный массив, который выводит прямоугольный треугольник;</a:t>
             </a:r>
           </a:p>
           <a:p>
@@ -4979,7 +4768,7 @@
                 <a:latin typeface="Times New Roman" panose="02020603050405020304" pitchFamily="18" charset="0"/>
                 <a:cs typeface="Times New Roman" panose="02020603050405020304" pitchFamily="18" charset="0"/>
               </a:rPr>
-              <a:t>https://github.com/Vladnwx/Learn2023-2024/blob/master/src/lr3/Example</a:t>
+              <a:t>https://github.com/Vladnwx/Learn2023-2024/blob/master/src/lr4/Example</a:t>
             </a:r>
             <a:r>
               <a:rPr lang="ru-RU" sz="1400" dirty="0">
@@ -5116,7 +4905,7 @@
                 <a:latin typeface="Times New Roman" panose="02020603050405020304" pitchFamily="18" charset="0"/>
                 <a:cs typeface="Times New Roman" panose="02020603050405020304" pitchFamily="18" charset="0"/>
               </a:rPr>
-              <a:t>Напишите программу, в которой вычисляется сумма чисел, удовлетворяющих таким критериям: при делении числа на 5 в остатке получается 2, или при делении на 3 в остатке получается 1. Количество чисел в сумме вводится пользователем. Программа отображает числа, которые суммируются, и значение суммы. Предложите версии программы, использующие разные операторы цикла.</a:t>
+              <a:t>Напишите программу, в которой создается двумерный целочисленный массив. Он заполняется случайными числами. Затем в этом массиве строи и столбцы меняются местами: первая строка становится первым столбцом, вторая строка становиться вторым столбцом и так далее. Например, если исходный массив состоял из 3 строк и 5 столбцов, то в итоге получаем массив из 5 строк и 3 столбцов.</a:t>
             </a:r>
           </a:p>
           <a:p>
@@ -5138,7 +4927,7 @@
                 <a:latin typeface="Times New Roman" panose="02020603050405020304" pitchFamily="18" charset="0"/>
                 <a:cs typeface="Times New Roman" panose="02020603050405020304" pitchFamily="18" charset="0"/>
               </a:rPr>
-              <a:t>https://github.com/Vladnwx/Learn2023-2024/blob/master/src/lr3/Example</a:t>
+              <a:t>https://github.com/Vladnwx/Learn2023-2024/blob/master/src/lr4/Example</a:t>
             </a:r>
             <a:r>
               <a:rPr lang="ru-RU" sz="1400" dirty="0">
@@ -5275,7 +5064,7 @@
                 <a:latin typeface="Times New Roman" panose="02020603050405020304" pitchFamily="18" charset="0"/>
                 <a:cs typeface="Times New Roman" panose="02020603050405020304" pitchFamily="18" charset="0"/>
               </a:rPr>
-              <a:t>Напишите программу, в которой создается одномерный числовой массив и заполняется числами, которые при делении на 5 дают в остатке 2 (числа 2, 7,12,17 и так далее). Размер массива вводится пользователем. Предусмотреть обработку ошибки, связанной с вводом некорректного значения.</a:t>
+              <a:t>Напишите программу, в которой создается и инициализируется двумерный числовой массив. Затем из этого массива удаляется строка и столбец (создается новый массив, в котором по сравнению с исходным удалена одна строка и один столбец). Индекс удаляемой строки и индекс удаляемого столбца определяется с помощью генератора случайных чисел.</a:t>
             </a:r>
           </a:p>
           <a:p>
@@ -5297,7 +5086,7 @@
                 <a:latin typeface="Times New Roman" panose="02020603050405020304" pitchFamily="18" charset="0"/>
                 <a:cs typeface="Times New Roman" panose="02020603050405020304" pitchFamily="18" charset="0"/>
               </a:rPr>
-              <a:t>https://github.com/Vladnwx/Learn2023-2024/blob/master/src/lr3/Example</a:t>
+              <a:t>https://github.com/Vladnwx/Learn2023-2024/blob/master/src/lr4/Example</a:t>
             </a:r>
             <a:r>
               <a:rPr lang="ru-RU" sz="1400" dirty="0">
@@ -5434,7 +5223,7 @@
                 <a:latin typeface="Times New Roman" panose="02020603050405020304" pitchFamily="18" charset="0"/>
                 <a:cs typeface="Times New Roman" panose="02020603050405020304" pitchFamily="18" charset="0"/>
               </a:rPr>
-              <a:t>Напишите программу, в которой создается одномерный символьный массив из 10 элементов. Массив заполняется буквами «через одну», начиная с буквы ' а ': то есть массив заполняется буквами 'а', 'с', ' е', 'д' и так далее. Отобразите массив в консольном окне в прямом и обратном порядке. Размер массива задается переменной.</a:t>
+              <a:t>Напишите программу, в которой создается двумерный числовой массив и этот массив заполняется «змейкой»: сначала первая строка (слева направо), затем последний столбец (снизу вверх), вторая строка (слева направо) и так далее.</a:t>
             </a:r>
           </a:p>
           <a:p>
@@ -5456,7 +5245,7 @@
                 <a:latin typeface="Times New Roman" panose="02020603050405020304" pitchFamily="18" charset="0"/>
                 <a:cs typeface="Times New Roman" panose="02020603050405020304" pitchFamily="18" charset="0"/>
               </a:rPr>
-              <a:t>https://github.com/Vladnwx/Learn2023-2024/blob/master/src/lr3/Example</a:t>
+              <a:t>https://github.com/Vladnwx/Learn2023-2024/blob/master/src/lr4/Example</a:t>
             </a:r>
             <a:r>
               <a:rPr lang="ru-RU" sz="1400" dirty="0">
